--- a/apresentaçãoSprint2.pptx
+++ b/apresentaçãoSprint2.pptx
@@ -8,6 +8,8 @@
     <p:sldId id="256" r:id="rId2"/>
     <p:sldId id="258" r:id="rId3"/>
     <p:sldId id="257" r:id="rId4"/>
+    <p:sldId id="259" r:id="rId5"/>
+    <p:sldId id="260" r:id="rId6"/>
   </p:sldIdLst>
   <p:sldSz cx="12192000" cy="6858000"/>
   <p:notesSz cx="6858000" cy="9144000"/>
@@ -106,6 +108,11 @@
       </a:defRPr>
     </a:lvl9pPr>
   </p:defaultTextStyle>
+  <p:extLst>
+    <p:ext uri="{EFAFB233-063F-42B5-8137-9DF3F51BA10A}">
+      <p15:sldGuideLst xmlns:p15="http://schemas.microsoft.com/office/powerpoint/2012/main"/>
+    </p:ext>
+  </p:extLst>
 </p:presentation>
 </file>
 
@@ -256,7 +263,7 @@
           <a:p>
             <a:fld id="{84412D96-1B04-402C-A125-04DC59C9C6EF}" type="datetimeFigureOut">
               <a:rPr lang="pt-BR" smtClean="0"/>
-              <a:t>24/04/2019</a:t>
+              <a:t>30/04/2019</a:t>
             </a:fld>
             <a:endParaRPr lang="pt-BR"/>
           </a:p>
@@ -454,7 +461,7 @@
           <a:p>
             <a:fld id="{84412D96-1B04-402C-A125-04DC59C9C6EF}" type="datetimeFigureOut">
               <a:rPr lang="pt-BR" smtClean="0"/>
-              <a:t>24/04/2019</a:t>
+              <a:t>30/04/2019</a:t>
             </a:fld>
             <a:endParaRPr lang="pt-BR"/>
           </a:p>
@@ -662,7 +669,7 @@
           <a:p>
             <a:fld id="{84412D96-1B04-402C-A125-04DC59C9C6EF}" type="datetimeFigureOut">
               <a:rPr lang="pt-BR" smtClean="0"/>
-              <a:t>24/04/2019</a:t>
+              <a:t>30/04/2019</a:t>
             </a:fld>
             <a:endParaRPr lang="pt-BR"/>
           </a:p>
@@ -860,7 +867,7 @@
           <a:p>
             <a:fld id="{84412D96-1B04-402C-A125-04DC59C9C6EF}" type="datetimeFigureOut">
               <a:rPr lang="pt-BR" smtClean="0"/>
-              <a:t>24/04/2019</a:t>
+              <a:t>30/04/2019</a:t>
             </a:fld>
             <a:endParaRPr lang="pt-BR"/>
           </a:p>
@@ -1135,7 +1142,7 @@
           <a:p>
             <a:fld id="{84412D96-1B04-402C-A125-04DC59C9C6EF}" type="datetimeFigureOut">
               <a:rPr lang="pt-BR" smtClean="0"/>
-              <a:t>24/04/2019</a:t>
+              <a:t>30/04/2019</a:t>
             </a:fld>
             <a:endParaRPr lang="pt-BR"/>
           </a:p>
@@ -1400,7 +1407,7 @@
           <a:p>
             <a:fld id="{84412D96-1B04-402C-A125-04DC59C9C6EF}" type="datetimeFigureOut">
               <a:rPr lang="pt-BR" smtClean="0"/>
-              <a:t>24/04/2019</a:t>
+              <a:t>30/04/2019</a:t>
             </a:fld>
             <a:endParaRPr lang="pt-BR"/>
           </a:p>
@@ -1812,7 +1819,7 @@
           <a:p>
             <a:fld id="{84412D96-1B04-402C-A125-04DC59C9C6EF}" type="datetimeFigureOut">
               <a:rPr lang="pt-BR" smtClean="0"/>
-              <a:t>24/04/2019</a:t>
+              <a:t>30/04/2019</a:t>
             </a:fld>
             <a:endParaRPr lang="pt-BR"/>
           </a:p>
@@ -1953,7 +1960,7 @@
           <a:p>
             <a:fld id="{84412D96-1B04-402C-A125-04DC59C9C6EF}" type="datetimeFigureOut">
               <a:rPr lang="pt-BR" smtClean="0"/>
-              <a:t>24/04/2019</a:t>
+              <a:t>30/04/2019</a:t>
             </a:fld>
             <a:endParaRPr lang="pt-BR"/>
           </a:p>
@@ -2066,7 +2073,7 @@
           <a:p>
             <a:fld id="{84412D96-1B04-402C-A125-04DC59C9C6EF}" type="datetimeFigureOut">
               <a:rPr lang="pt-BR" smtClean="0"/>
-              <a:t>24/04/2019</a:t>
+              <a:t>30/04/2019</a:t>
             </a:fld>
             <a:endParaRPr lang="pt-BR"/>
           </a:p>
@@ -2377,7 +2384,7 @@
           <a:p>
             <a:fld id="{84412D96-1B04-402C-A125-04DC59C9C6EF}" type="datetimeFigureOut">
               <a:rPr lang="pt-BR" smtClean="0"/>
-              <a:t>24/04/2019</a:t>
+              <a:t>30/04/2019</a:t>
             </a:fld>
             <a:endParaRPr lang="pt-BR"/>
           </a:p>
@@ -2665,7 +2672,7 @@
           <a:p>
             <a:fld id="{84412D96-1B04-402C-A125-04DC59C9C6EF}" type="datetimeFigureOut">
               <a:rPr lang="pt-BR" smtClean="0"/>
-              <a:t>24/04/2019</a:t>
+              <a:t>30/04/2019</a:t>
             </a:fld>
             <a:endParaRPr lang="pt-BR"/>
           </a:p>
@@ -2906,7 +2913,7 @@
           <a:p>
             <a:fld id="{84412D96-1B04-402C-A125-04DC59C9C6EF}" type="datetimeFigureOut">
               <a:rPr lang="pt-BR" smtClean="0"/>
-              <a:t>24/04/2019</a:t>
+              <a:t>30/04/2019</a:t>
             </a:fld>
             <a:endParaRPr lang="pt-BR"/>
           </a:p>
@@ -3504,23 +3511,8 @@
                 </a:solidFill>
                 <a:latin typeface="Exo 2 Extra Light" panose="00000300000000000000" pitchFamily="50" charset="0"/>
               </a:rPr>
-              <a:t>Leonardo </a:t>
-            </a:r>
-            <a:r>
-              <a:rPr lang="pt-BR" sz="2400" dirty="0" err="1">
-                <a:solidFill>
-                  <a:schemeClr val="bg1"/>
-                </a:solidFill>
-                <a:latin typeface="Exo 2 Extra Light" panose="00000300000000000000" pitchFamily="50" charset="0"/>
-              </a:rPr>
-              <a:t>Ciarcia</a:t>
-            </a:r>
-            <a:endParaRPr lang="pt-BR" sz="2400" dirty="0">
-              <a:solidFill>
-                <a:schemeClr val="bg1"/>
-              </a:solidFill>
-              <a:latin typeface="Exo 2 Extra Light" panose="00000300000000000000" pitchFamily="50" charset="0"/>
-            </a:endParaRPr>
+              <a:t>Leonardo Ciarcia</a:t>
+            </a:r>
           </a:p>
           <a:p>
             <a:pPr algn="ctr"/>
@@ -3948,6 +3940,208 @@
     <p:extLst>
       <p:ext uri="{BB962C8B-B14F-4D97-AF65-F5344CB8AC3E}">
         <p14:creationId xmlns:p14="http://schemas.microsoft.com/office/powerpoint/2010/main" val="2397702746"/>
+      </p:ext>
+    </p:extLst>
+  </p:cSld>
+  <p:clrMapOvr>
+    <a:masterClrMapping/>
+  </p:clrMapOvr>
+</p:sld>
+</file>
+
+<file path=ppt/slides/slide4.xml><?xml version="1.0" encoding="utf-8"?>
+<p:sld xmlns:a="http://schemas.openxmlformats.org/drawingml/2006/main" xmlns:r="http://schemas.openxmlformats.org/officeDocument/2006/relationships" xmlns:p="http://schemas.openxmlformats.org/presentationml/2006/main">
+  <p:cSld>
+    <p:spTree>
+      <p:nvGrpSpPr>
+        <p:cNvPr id="1" name=""/>
+        <p:cNvGrpSpPr/>
+        <p:nvPr/>
+      </p:nvGrpSpPr>
+      <p:grpSpPr>
+        <a:xfrm>
+          <a:off x="0" y="0"/>
+          <a:ext cx="0" cy="0"/>
+          <a:chOff x="0" y="0"/>
+          <a:chExt cx="0" cy="0"/>
+        </a:xfrm>
+      </p:grpSpPr>
+      <p:pic>
+        <p:nvPicPr>
+          <p:cNvPr id="2" name="Imagem 1">
+            <a:extLst>
+              <a:ext uri="{FF2B5EF4-FFF2-40B4-BE49-F238E27FC236}">
+                <a16:creationId xmlns:a16="http://schemas.microsoft.com/office/drawing/2014/main" id="{CE07DE1B-272A-4101-8660-20930B6F1F75}"/>
+              </a:ext>
+            </a:extLst>
+          </p:cNvPr>
+          <p:cNvPicPr>
+            <a:picLocks noChangeAspect="1"/>
+          </p:cNvPicPr>
+          <p:nvPr/>
+        </p:nvPicPr>
+        <p:blipFill>
+          <a:blip r:embed="rId2"/>
+          <a:stretch>
+            <a:fillRect/>
+          </a:stretch>
+        </p:blipFill>
+        <p:spPr>
+          <a:xfrm>
+            <a:off x="3290413" y="216596"/>
+            <a:ext cx="8901587" cy="6424807"/>
+          </a:xfrm>
+          <a:prstGeom prst="rect">
+            <a:avLst/>
+          </a:prstGeom>
+        </p:spPr>
+      </p:pic>
+      <p:sp>
+        <p:nvSpPr>
+          <p:cNvPr id="3" name="CaixaDeTexto 2">
+            <a:extLst>
+              <a:ext uri="{FF2B5EF4-FFF2-40B4-BE49-F238E27FC236}">
+                <a16:creationId xmlns:a16="http://schemas.microsoft.com/office/drawing/2014/main" id="{2E4305DA-285F-4060-A26B-82A6C8012959}"/>
+              </a:ext>
+            </a:extLst>
+          </p:cNvPr>
+          <p:cNvSpPr txBox="1"/>
+          <p:nvPr/>
+        </p:nvSpPr>
+        <p:spPr>
+          <a:xfrm>
+            <a:off x="196948" y="2828834"/>
+            <a:ext cx="3291840" cy="1200329"/>
+          </a:xfrm>
+          <a:prstGeom prst="rect">
+            <a:avLst/>
+          </a:prstGeom>
+          <a:noFill/>
+        </p:spPr>
+        <p:txBody>
+          <a:bodyPr wrap="square" rtlCol="0">
+            <a:spAutoFit/>
+          </a:bodyPr>
+          <a:lstStyle/>
+          <a:p>
+            <a:r>
+              <a:rPr lang="pt-BR" sz="3600" dirty="0">
+                <a:latin typeface="Exo 2 Extra Bold" panose="00000900000000000000" pitchFamily="50" charset="0"/>
+              </a:rPr>
+              <a:t>MODELAGEM</a:t>
+            </a:r>
+          </a:p>
+          <a:p>
+            <a:r>
+              <a:rPr lang="pt-BR" sz="3600" dirty="0">
+                <a:latin typeface="Exo 2 Extra Bold" panose="00000900000000000000" pitchFamily="50" charset="0"/>
+              </a:rPr>
+              <a:t>CONCEITUAL</a:t>
+            </a:r>
+          </a:p>
+        </p:txBody>
+      </p:sp>
+    </p:spTree>
+    <p:extLst>
+      <p:ext uri="{BB962C8B-B14F-4D97-AF65-F5344CB8AC3E}">
+        <p14:creationId xmlns:p14="http://schemas.microsoft.com/office/powerpoint/2010/main" val="3412447184"/>
+      </p:ext>
+    </p:extLst>
+  </p:cSld>
+  <p:clrMapOvr>
+    <a:masterClrMapping/>
+  </p:clrMapOvr>
+</p:sld>
+</file>
+
+<file path=ppt/slides/slide5.xml><?xml version="1.0" encoding="utf-8"?>
+<p:sld xmlns:a="http://schemas.openxmlformats.org/drawingml/2006/main" xmlns:r="http://schemas.openxmlformats.org/officeDocument/2006/relationships" xmlns:p="http://schemas.openxmlformats.org/presentationml/2006/main">
+  <p:cSld>
+    <p:spTree>
+      <p:nvGrpSpPr>
+        <p:cNvPr id="1" name=""/>
+        <p:cNvGrpSpPr/>
+        <p:nvPr/>
+      </p:nvGrpSpPr>
+      <p:grpSpPr>
+        <a:xfrm>
+          <a:off x="0" y="0"/>
+          <a:ext cx="0" cy="0"/>
+          <a:chOff x="0" y="0"/>
+          <a:chExt cx="0" cy="0"/>
+        </a:xfrm>
+      </p:grpSpPr>
+      <p:pic>
+        <p:nvPicPr>
+          <p:cNvPr id="2" name="Imagem 1">
+            <a:extLst>
+              <a:ext uri="{FF2B5EF4-FFF2-40B4-BE49-F238E27FC236}">
+                <a16:creationId xmlns:a16="http://schemas.microsoft.com/office/drawing/2014/main" id="{AE25BB81-BEE9-4E0F-B193-6A964BC93782}"/>
+              </a:ext>
+            </a:extLst>
+          </p:cNvPr>
+          <p:cNvPicPr>
+            <a:picLocks noChangeAspect="1"/>
+          </p:cNvPicPr>
+          <p:nvPr/>
+        </p:nvPicPr>
+        <p:blipFill>
+          <a:blip r:embed="rId2"/>
+          <a:stretch>
+            <a:fillRect/>
+          </a:stretch>
+        </p:blipFill>
+        <p:spPr>
+          <a:xfrm>
+            <a:off x="373133" y="2432810"/>
+            <a:ext cx="11445734" cy="3317604"/>
+          </a:xfrm>
+          <a:prstGeom prst="rect">
+            <a:avLst/>
+          </a:prstGeom>
+        </p:spPr>
+      </p:pic>
+      <p:sp>
+        <p:nvSpPr>
+          <p:cNvPr id="3" name="CaixaDeTexto 2">
+            <a:extLst>
+              <a:ext uri="{FF2B5EF4-FFF2-40B4-BE49-F238E27FC236}">
+                <a16:creationId xmlns:a16="http://schemas.microsoft.com/office/drawing/2014/main" id="{EB724E86-5543-46D9-80EA-674BE344087E}"/>
+              </a:ext>
+            </a:extLst>
+          </p:cNvPr>
+          <p:cNvSpPr txBox="1"/>
+          <p:nvPr/>
+        </p:nvSpPr>
+        <p:spPr>
+          <a:xfrm>
+            <a:off x="2885660" y="1086681"/>
+            <a:ext cx="6420679" cy="830997"/>
+          </a:xfrm>
+          <a:prstGeom prst="rect">
+            <a:avLst/>
+          </a:prstGeom>
+          <a:noFill/>
+        </p:spPr>
+        <p:txBody>
+          <a:bodyPr wrap="square" rtlCol="0">
+            <a:spAutoFit/>
+          </a:bodyPr>
+          <a:lstStyle/>
+          <a:p>
+            <a:r>
+              <a:rPr lang="pt-BR" sz="4800" dirty="0">
+                <a:latin typeface="Exo 2 Extra Bold" panose="00000900000000000000" pitchFamily="50" charset="0"/>
+              </a:rPr>
+              <a:t>PLANILHA DE RISCOS</a:t>
+            </a:r>
+          </a:p>
+        </p:txBody>
+      </p:sp>
+    </p:spTree>
+    <p:extLst>
+      <p:ext uri="{BB962C8B-B14F-4D97-AF65-F5344CB8AC3E}">
+        <p14:creationId xmlns:p14="http://schemas.microsoft.com/office/powerpoint/2010/main" val="1815737268"/>
       </p:ext>
     </p:extLst>
   </p:cSld>
